--- a/module_07/module7.pptx
+++ b/module_07/module7.pptx
@@ -116,6 +116,11 @@
       </a:defRPr>
     </a:lvl9pPr>
   </p:defaultTextStyle>
+  <p:extLst>
+    <p:ext uri="{EFAFB233-063F-42B5-8137-9DF3F51BA10A}">
+      <p15:sldGuideLst xmlns:p15="http://schemas.microsoft.com/office/powerpoint/2012/main"/>
+    </p:ext>
+  </p:extLst>
 </p:presentation>
 </file>
 
@@ -250,7 +255,7 @@
           <a:p>
             <a:fld id="{2B0E013C-2B22-4B18-8D51-5F5B44485D21}" type="datetimeFigureOut">
               <a:rPr lang="ru-RU" smtClean="0"/>
-              <a:t>12.06.2022</a:t>
+              <a:t>30.06.2022</a:t>
             </a:fld>
             <a:endParaRPr lang="ru-RU"/>
           </a:p>
@@ -420,7 +425,7 @@
           <a:p>
             <a:fld id="{2B0E013C-2B22-4B18-8D51-5F5B44485D21}" type="datetimeFigureOut">
               <a:rPr lang="ru-RU" smtClean="0"/>
-              <a:t>12.06.2022</a:t>
+              <a:t>30.06.2022</a:t>
             </a:fld>
             <a:endParaRPr lang="ru-RU"/>
           </a:p>
@@ -600,7 +605,7 @@
           <a:p>
             <a:fld id="{2B0E013C-2B22-4B18-8D51-5F5B44485D21}" type="datetimeFigureOut">
               <a:rPr lang="ru-RU" smtClean="0"/>
-              <a:t>12.06.2022</a:t>
+              <a:t>30.06.2022</a:t>
             </a:fld>
             <a:endParaRPr lang="ru-RU"/>
           </a:p>
@@ -770,7 +775,7 @@
           <a:p>
             <a:fld id="{2B0E013C-2B22-4B18-8D51-5F5B44485D21}" type="datetimeFigureOut">
               <a:rPr lang="ru-RU" smtClean="0"/>
-              <a:t>12.06.2022</a:t>
+              <a:t>30.06.2022</a:t>
             </a:fld>
             <a:endParaRPr lang="ru-RU"/>
           </a:p>
@@ -1016,7 +1021,7 @@
           <a:p>
             <a:fld id="{2B0E013C-2B22-4B18-8D51-5F5B44485D21}" type="datetimeFigureOut">
               <a:rPr lang="ru-RU" smtClean="0"/>
-              <a:t>12.06.2022</a:t>
+              <a:t>30.06.2022</a:t>
             </a:fld>
             <a:endParaRPr lang="ru-RU"/>
           </a:p>
@@ -1248,7 +1253,7 @@
           <a:p>
             <a:fld id="{2B0E013C-2B22-4B18-8D51-5F5B44485D21}" type="datetimeFigureOut">
               <a:rPr lang="ru-RU" smtClean="0"/>
-              <a:t>12.06.2022</a:t>
+              <a:t>30.06.2022</a:t>
             </a:fld>
             <a:endParaRPr lang="ru-RU"/>
           </a:p>
@@ -1615,7 +1620,7 @@
           <a:p>
             <a:fld id="{2B0E013C-2B22-4B18-8D51-5F5B44485D21}" type="datetimeFigureOut">
               <a:rPr lang="ru-RU" smtClean="0"/>
-              <a:t>12.06.2022</a:t>
+              <a:t>30.06.2022</a:t>
             </a:fld>
             <a:endParaRPr lang="ru-RU"/>
           </a:p>
@@ -1733,7 +1738,7 @@
           <a:p>
             <a:fld id="{2B0E013C-2B22-4B18-8D51-5F5B44485D21}" type="datetimeFigureOut">
               <a:rPr lang="ru-RU" smtClean="0"/>
-              <a:t>12.06.2022</a:t>
+              <a:t>30.06.2022</a:t>
             </a:fld>
             <a:endParaRPr lang="ru-RU"/>
           </a:p>
@@ -1828,7 +1833,7 @@
           <a:p>
             <a:fld id="{2B0E013C-2B22-4B18-8D51-5F5B44485D21}" type="datetimeFigureOut">
               <a:rPr lang="ru-RU" smtClean="0"/>
-              <a:t>12.06.2022</a:t>
+              <a:t>30.06.2022</a:t>
             </a:fld>
             <a:endParaRPr lang="ru-RU"/>
           </a:p>
@@ -2105,7 +2110,7 @@
           <a:p>
             <a:fld id="{2B0E013C-2B22-4B18-8D51-5F5B44485D21}" type="datetimeFigureOut">
               <a:rPr lang="ru-RU" smtClean="0"/>
-              <a:t>12.06.2022</a:t>
+              <a:t>30.06.2022</a:t>
             </a:fld>
             <a:endParaRPr lang="ru-RU"/>
           </a:p>
@@ -2358,7 +2363,7 @@
           <a:p>
             <a:fld id="{2B0E013C-2B22-4B18-8D51-5F5B44485D21}" type="datetimeFigureOut">
               <a:rPr lang="ru-RU" smtClean="0"/>
-              <a:t>12.06.2022</a:t>
+              <a:t>30.06.2022</a:t>
             </a:fld>
             <a:endParaRPr lang="ru-RU"/>
           </a:p>
@@ -2571,7 +2576,7 @@
           <a:p>
             <a:fld id="{2B0E013C-2B22-4B18-8D51-5F5B44485D21}" type="datetimeFigureOut">
               <a:rPr lang="ru-RU" smtClean="0"/>
-              <a:t>12.06.2022</a:t>
+              <a:t>30.06.2022</a:t>
             </a:fld>
             <a:endParaRPr lang="ru-RU"/>
           </a:p>
@@ -3224,7 +3229,7 @@
         </p:blipFill>
         <p:spPr bwMode="auto">
           <a:xfrm>
-            <a:off x="-87085" y="295745"/>
+            <a:off x="0" y="1962879"/>
             <a:ext cx="12279085" cy="1025579"/>
           </a:xfrm>
           <a:prstGeom prst="rect">
@@ -3265,7 +3270,7 @@
         </p:blipFill>
         <p:spPr bwMode="auto">
           <a:xfrm>
-            <a:off x="-87085" y="1783081"/>
+            <a:off x="0" y="3447477"/>
             <a:ext cx="12421325" cy="1072512"/>
           </a:xfrm>
           <a:prstGeom prst="rect">
@@ -3306,7 +3311,7 @@
         </p:blipFill>
         <p:spPr bwMode="auto">
           <a:xfrm>
-            <a:off x="42092" y="2855593"/>
+            <a:off x="0" y="4522727"/>
             <a:ext cx="6081485" cy="1067035"/>
           </a:xfrm>
           <a:prstGeom prst="rect">
@@ -3347,8 +3352,49 @@
         </p:blipFill>
         <p:spPr bwMode="auto">
           <a:xfrm>
-            <a:off x="42092" y="3922628"/>
+            <a:off x="0" y="5589762"/>
             <a:ext cx="4511040" cy="1069055"/>
+          </a:xfrm>
+          <a:prstGeom prst="rect">
+            <a:avLst/>
+          </a:prstGeom>
+          <a:noFill/>
+          <a:extLst>
+            <a:ext uri="{909E8E84-426E-40DD-AFC4-6F175D3DCCD1}">
+              <a14:hiddenFill xmlns:a14="http://schemas.microsoft.com/office/drawing/2010/main">
+                <a:solidFill>
+                  <a:srgbClr val="FFFFFF"/>
+                </a:solidFill>
+              </a14:hiddenFill>
+            </a:ext>
+          </a:extLst>
+        </p:spPr>
+      </p:pic>
+      <p:pic>
+        <p:nvPicPr>
+          <p:cNvPr id="2050" name="Picture 2" descr="https://latex2png.com/pngs/5601ba5d2a3330a3f178be2f700fc989.png"/>
+          <p:cNvPicPr>
+            <a:picLocks noChangeAspect="1" noChangeArrowheads="1"/>
+          </p:cNvPicPr>
+          <p:nvPr/>
+        </p:nvPicPr>
+        <p:blipFill>
+          <a:blip r:embed="rId6">
+            <a:extLst>
+              <a:ext uri="{28A0092B-C50C-407E-A947-70E740481C1C}">
+                <a14:useLocalDpi xmlns:a14="http://schemas.microsoft.com/office/drawing/2010/main" val="0"/>
+              </a:ext>
+            </a:extLst>
+          </a:blip>
+          <a:srcRect/>
+          <a:stretch>
+            <a:fillRect/>
+          </a:stretch>
+        </p:blipFill>
+        <p:spPr bwMode="auto">
+          <a:xfrm>
+            <a:off x="0" y="214004"/>
+            <a:ext cx="6081485" cy="1287117"/>
           </a:xfrm>
           <a:prstGeom prst="rect">
             <a:avLst/>
@@ -3550,13 +3596,11 @@
       </p:grpSpPr>
       <p:pic>
         <p:nvPicPr>
-          <p:cNvPr id="4" name="Объект 3"/>
+          <p:cNvPr id="2" name="Рисунок 1"/>
           <p:cNvPicPr>
-            <a:picLocks noGrp="1" noChangeAspect="1"/>
+            <a:picLocks noChangeAspect="1"/>
           </p:cNvPicPr>
-          <p:nvPr>
-            <p:ph idx="1"/>
-          </p:nvPr>
+          <p:nvPr/>
         </p:nvPicPr>
         <p:blipFill>
           <a:blip r:embed="rId2">
@@ -3572,9 +3616,12 @@
         </p:blipFill>
         <p:spPr>
           <a:xfrm>
-            <a:off x="3353143" y="1914305"/>
+            <a:off x="3353143" y="2172722"/>
             <a:ext cx="5485714" cy="3657143"/>
           </a:xfrm>
+          <a:prstGeom prst="rect">
+            <a:avLst/>
+          </a:prstGeom>
         </p:spPr>
       </p:pic>
     </p:spTree>
@@ -3978,8 +4025,90 @@
         </p:blipFill>
         <p:spPr bwMode="auto">
           <a:xfrm>
-            <a:off x="599523" y="2667345"/>
+            <a:off x="758549" y="4833030"/>
             <a:ext cx="9658350" cy="895351"/>
+          </a:xfrm>
+          <a:prstGeom prst="rect">
+            <a:avLst/>
+          </a:prstGeom>
+          <a:noFill/>
+          <a:extLst>
+            <a:ext uri="{909E8E84-426E-40DD-AFC4-6F175D3DCCD1}">
+              <a14:hiddenFill xmlns:a14="http://schemas.microsoft.com/office/drawing/2010/main">
+                <a:solidFill>
+                  <a:srgbClr val="FFFFFF"/>
+                </a:solidFill>
+              </a14:hiddenFill>
+            </a:ext>
+          </a:extLst>
+        </p:spPr>
+      </p:pic>
+      <p:pic>
+        <p:nvPicPr>
+          <p:cNvPr id="1026" name="Picture 2" descr="https://latex2png.com/pngs/a4407b3ebe2739c010afb670291598c3.png"/>
+          <p:cNvPicPr>
+            <a:picLocks noChangeAspect="1" noChangeArrowheads="1"/>
+          </p:cNvPicPr>
+          <p:nvPr/>
+        </p:nvPicPr>
+        <p:blipFill>
+          <a:blip r:embed="rId4">
+            <a:extLst>
+              <a:ext uri="{28A0092B-C50C-407E-A947-70E740481C1C}">
+                <a14:useLocalDpi xmlns:a14="http://schemas.microsoft.com/office/drawing/2010/main" val="0"/>
+              </a:ext>
+            </a:extLst>
+          </a:blip>
+          <a:srcRect/>
+          <a:stretch>
+            <a:fillRect/>
+          </a:stretch>
+        </p:blipFill>
+        <p:spPr bwMode="auto">
+          <a:xfrm>
+            <a:off x="758549" y="3325347"/>
+            <a:ext cx="6076950" cy="838201"/>
+          </a:xfrm>
+          <a:prstGeom prst="rect">
+            <a:avLst/>
+          </a:prstGeom>
+          <a:noFill/>
+          <a:extLst>
+            <a:ext uri="{909E8E84-426E-40DD-AFC4-6F175D3DCCD1}">
+              <a14:hiddenFill xmlns:a14="http://schemas.microsoft.com/office/drawing/2010/main">
+                <a:solidFill>
+                  <a:srgbClr val="FFFFFF"/>
+                </a:solidFill>
+              </a14:hiddenFill>
+            </a:ext>
+          </a:extLst>
+        </p:spPr>
+      </p:pic>
+      <p:pic>
+        <p:nvPicPr>
+          <p:cNvPr id="5" name="Picture 4" descr="https://latex2png.com/pngs/f7295ae5ac20346c88744fdaa6e35c50.png"/>
+          <p:cNvPicPr>
+            <a:picLocks noChangeAspect="1" noChangeArrowheads="1"/>
+          </p:cNvPicPr>
+          <p:nvPr/>
+        </p:nvPicPr>
+        <p:blipFill>
+          <a:blip r:embed="rId5">
+            <a:extLst>
+              <a:ext uri="{28A0092B-C50C-407E-A947-70E740481C1C}">
+                <a14:useLocalDpi xmlns:a14="http://schemas.microsoft.com/office/drawing/2010/main" val="0"/>
+              </a:ext>
+            </a:extLst>
+          </a:blip>
+          <a:srcRect/>
+          <a:stretch>
+            <a:fillRect/>
+          </a:stretch>
+        </p:blipFill>
+        <p:spPr bwMode="auto">
+          <a:xfrm>
+            <a:off x="758549" y="1760514"/>
+            <a:ext cx="3438525" cy="895351"/>
           </a:xfrm>
           <a:prstGeom prst="rect">
             <a:avLst/>
@@ -4090,8 +4219,90 @@
         </p:blipFill>
         <p:spPr bwMode="auto">
           <a:xfrm>
-            <a:off x="725419" y="2667345"/>
+            <a:off x="725419" y="5073660"/>
             <a:ext cx="6810375" cy="895351"/>
+          </a:xfrm>
+          <a:prstGeom prst="rect">
+            <a:avLst/>
+          </a:prstGeom>
+          <a:noFill/>
+          <a:extLst>
+            <a:ext uri="{909E8E84-426E-40DD-AFC4-6F175D3DCCD1}">
+              <a14:hiddenFill xmlns:a14="http://schemas.microsoft.com/office/drawing/2010/main">
+                <a:solidFill>
+                  <a:srgbClr val="FFFFFF"/>
+                </a:solidFill>
+              </a14:hiddenFill>
+            </a:ext>
+          </a:extLst>
+        </p:spPr>
+      </p:pic>
+      <p:pic>
+        <p:nvPicPr>
+          <p:cNvPr id="4" name="Picture 2" descr="https://latex2png.com/pngs/a4407b3ebe2739c010afb670291598c3.png"/>
+          <p:cNvPicPr>
+            <a:picLocks noChangeAspect="1" noChangeArrowheads="1"/>
+          </p:cNvPicPr>
+          <p:nvPr/>
+        </p:nvPicPr>
+        <p:blipFill>
+          <a:blip r:embed="rId4">
+            <a:extLst>
+              <a:ext uri="{28A0092B-C50C-407E-A947-70E740481C1C}">
+                <a14:useLocalDpi xmlns:a14="http://schemas.microsoft.com/office/drawing/2010/main" val="0"/>
+              </a:ext>
+            </a:extLst>
+          </a:blip>
+          <a:srcRect/>
+          <a:stretch>
+            <a:fillRect/>
+          </a:stretch>
+        </p:blipFill>
+        <p:spPr bwMode="auto">
+          <a:xfrm>
+            <a:off x="725419" y="3602073"/>
+            <a:ext cx="6076950" cy="838201"/>
+          </a:xfrm>
+          <a:prstGeom prst="rect">
+            <a:avLst/>
+          </a:prstGeom>
+          <a:noFill/>
+          <a:extLst>
+            <a:ext uri="{909E8E84-426E-40DD-AFC4-6F175D3DCCD1}">
+              <a14:hiddenFill xmlns:a14="http://schemas.microsoft.com/office/drawing/2010/main">
+                <a:solidFill>
+                  <a:srgbClr val="FFFFFF"/>
+                </a:solidFill>
+              </a14:hiddenFill>
+            </a:ext>
+          </a:extLst>
+        </p:spPr>
+      </p:pic>
+      <p:pic>
+        <p:nvPicPr>
+          <p:cNvPr id="5" name="Picture 4" descr="https://latex2png.com/pngs/f7295ae5ac20346c88744fdaa6e35c50.png"/>
+          <p:cNvPicPr>
+            <a:picLocks noChangeAspect="1" noChangeArrowheads="1"/>
+          </p:cNvPicPr>
+          <p:nvPr/>
+        </p:nvPicPr>
+        <p:blipFill>
+          <a:blip r:embed="rId5">
+            <a:extLst>
+              <a:ext uri="{28A0092B-C50C-407E-A947-70E740481C1C}">
+                <a14:useLocalDpi xmlns:a14="http://schemas.microsoft.com/office/drawing/2010/main" val="0"/>
+              </a:ext>
+            </a:extLst>
+          </a:blip>
+          <a:srcRect/>
+          <a:stretch>
+            <a:fillRect/>
+          </a:stretch>
+        </p:blipFill>
+        <p:spPr bwMode="auto">
+          <a:xfrm>
+            <a:off x="692081" y="2256752"/>
+            <a:ext cx="3438525" cy="895351"/>
           </a:xfrm>
           <a:prstGeom prst="rect">
             <a:avLst/>
